--- a/Slides/developing-with-the-smart-player-api-9Dec2013.pptx
+++ b/Slides/developing-with-the-smart-player-api-9Dec2013.pptx
@@ -14128,7 +14128,7 @@
         </p:nvSpPr>
         <p:spPr bwMode="auto">
           <a:xfrm>
-            <a:off x="315868" y="9189943"/>
+            <a:off x="315868" y="9270583"/>
             <a:ext cx="866378" cy="541514"/>
           </a:xfrm>
           <a:prstGeom prst="rect">
